--- a/files/slides/lecture_9.pptx
+++ b/files/slides/lecture_9.pptx
@@ -13789,7 +13789,9 @@
   <dgm:styleData>
     <dgm:dataModel>
       <dgm:ptLst>
-        <dgm:pt modelId="0" type="doc"/>
+        <dgm:pt modelId="0" type="doc">
+          <dgm:prSet qsTypeId="urn:microsoft.com/office/officeart/2005/8/quickstyle/simple5"/>
+        </dgm:pt>
         <dgm:pt modelId="1"/>
         <dgm:pt modelId="2"/>
       </dgm:ptLst>
@@ -13956,7 +13958,9 @@
   <dgm:styleData>
     <dgm:dataModel>
       <dgm:ptLst>
-        <dgm:pt modelId="0" type="doc"/>
+        <dgm:pt modelId="0" type="doc">
+          <dgm:prSet qsTypeId="urn:microsoft.com/office/officeart/2005/8/quickstyle/simple5"/>
+        </dgm:pt>
         <dgm:pt modelId="1"/>
         <dgm:pt modelId="2"/>
       </dgm:ptLst>

--- a/files/slides/lecture_9.pptx
+++ b/files/slides/lecture_9.pptx
@@ -31683,7 +31683,7 @@
           <p:nvPr/>
         </p:nvGraphicFramePr>
         <p:xfrm>
-          <a:off x="2672107" y="2596227"/>
+          <a:off x="2672107" y="2640042"/>
           <a:ext cx="8183106" cy="2838637"/>
         </p:xfrm>
         <a:graphic>
@@ -31886,7 +31886,7 @@
                   </a:tcPr>
                 </a:tc>
               </a:tr>
-              <a:tr h="365816">
+              <a:tr h="457200">
                 <a:tc>
                   <a:txBody>
                     <a:bodyPr/>

--- a/files/slides/lecture_9.pptx
+++ b/files/slides/lecture_9.pptx
@@ -8062,7 +8062,7 @@
         </a:p>
       </dgm:t>
     </dgm:pt>
-    <dgm:pt modelId="{F7E08B87-09F3-41F2-8AF9-EEA3BF91AD69}" cxnId="{1A814DC5-7D3F-4E32-9A62-8D6A92EC6F05}" type="parTrans">
+    <dgm:pt modelId="{F7E08B87-09F3-41F2-8AF9-EEA3BF91AD69}" cxnId="{72D55104-D6F9-4130-AFD3-B30849F81FC3}" type="parTrans">
       <dgm:prSet/>
       <dgm:spPr/>
       <dgm:t>
@@ -8073,7 +8073,7 @@
         </a:p>
       </dgm:t>
     </dgm:pt>
-    <dgm:pt modelId="{DB63B8DA-09BD-4231-8AA6-1E082A2D5BA4}" cxnId="{1A814DC5-7D3F-4E32-9A62-8D6A92EC6F05}" type="sibTrans">
+    <dgm:pt modelId="{DB63B8DA-09BD-4231-8AA6-1E082A2D5BA4}" cxnId="{72D55104-D6F9-4130-AFD3-B30849F81FC3}" type="sibTrans">
       <dgm:prSet/>
       <dgm:spPr/>
       <dgm:t>
@@ -8127,15 +8127,7 @@
           </a:r>
           <a:r>
             <a:rPr lang="zh-CN" sz="2800" dirty="0" smtClean="0"/>
-            <a:t>相反。</a:t>
-          </a:r>
-          <a:r>
-            <a:rPr lang="en-US" sz="2800" dirty="0" smtClean="0"/>
-            <a:t> </a:t>
-          </a:r>
-          <a:r>
-            <a:rPr lang="zh-CN" sz="2800" dirty="0" smtClean="0"/>
-            <a:t>它把含有文本数据或二进制数据块的字符串写入到文件中去。</a:t>
+            <a:t>相反。它把含有文本数据或二进制数据块的字符串写入到文件中去。</a:t>
           </a:r>
           <a:r>
             <a:rPr lang="zh-CN" sz="2800" dirty="0"/>
@@ -8145,7 +8137,7 @@
         </a:p>
       </dgm:t>
     </dgm:pt>
-    <dgm:pt modelId="{0AAA0644-6E9D-431D-A5EF-944717E6582C}" cxnId="{CE9C80A7-19E1-4525-A2F6-32AAE716AAE1}" type="parTrans">
+    <dgm:pt modelId="{0AAA0644-6E9D-431D-A5EF-944717E6582C}" cxnId="{E9432E1D-EF52-48BD-896A-5A72A25B3121}" type="parTrans">
       <dgm:prSet/>
       <dgm:spPr/>
       <dgm:t>
@@ -8156,7 +8148,7 @@
         </a:p>
       </dgm:t>
     </dgm:pt>
-    <dgm:pt modelId="{7E74A9B3-319D-4813-B137-3AA1AFF730D1}" cxnId="{CE9C80A7-19E1-4525-A2F6-32AAE716AAE1}" type="sibTrans">
+    <dgm:pt modelId="{7E74A9B3-319D-4813-B137-3AA1AFF730D1}" cxnId="{E9432E1D-EF52-48BD-896A-5A72A25B3121}" type="sibTrans">
       <dgm:prSet/>
       <dgm:spPr/>
       <dgm:t>
@@ -8167,7 +8159,7 @@
         </a:p>
       </dgm:t>
     </dgm:pt>
-    <dgm:pt modelId="{BD174E38-2C11-4B6A-8B9D-BFFD60E853D3}">
+    <dgm:pt modelId="{1DE5B2CD-3ED0-4B1E-9C61-E0E918713757}">
       <dgm:prSet phldr="false" custT="true"/>
       <dgm:spPr/>
       <dgm:t>
@@ -8200,15 +8192,15 @@
         </a:p>
       </dgm:t>
     </dgm:pt>
-    <dgm:pt modelId="{B6F27DE7-E81B-483B-8C16-6A69BA50086C}" cxnId="{73B9C8A6-FB58-4E4C-9434-8CF232F317BB}" type="parTrans">
+    <dgm:pt modelId="{D536E367-F58A-4255-A9B0-91C41FF5F94E}" cxnId="{9253F51A-B794-4F0D-848F-6EC1F44323AC}" type="parTrans">
       <dgm:prSet/>
       <dgm:spPr/>
     </dgm:pt>
-    <dgm:pt modelId="{BB32DC82-DDA8-4836-95EB-335D1BDC32CC}" cxnId="{73B9C8A6-FB58-4E4C-9434-8CF232F317BB}" type="sibTrans">
+    <dgm:pt modelId="{57B29E8E-2184-42D8-8ED8-1285A8536204}" cxnId="{9253F51A-B794-4F0D-848F-6EC1F44323AC}" type="sibTrans">
       <dgm:prSet/>
       <dgm:spPr/>
     </dgm:pt>
-    <dgm:pt modelId="{88D45AD7-343A-47FA-A393-A4B3BB392BBC}">
+    <dgm:pt modelId="{51414472-9239-4273-B942-58C223D37E4F}">
       <dgm:prSet phldr="false" custT="true"/>
       <dgm:spPr/>
       <dgm:t>
@@ -8245,11 +8237,11 @@
         </a:p>
       </dgm:t>
     </dgm:pt>
-    <dgm:pt modelId="{E80F1AA8-8B4B-4DB4-82FD-496817830580}" cxnId="{CC8B2F43-1C4B-4231-ACD8-631ABB861185}" type="parTrans">
+    <dgm:pt modelId="{403EAB27-136E-4593-9AFD-E96BAA186DD9}" cxnId="{65113E31-48BF-4BCB-9FBA-40DBAA62604E}" type="parTrans">
       <dgm:prSet/>
       <dgm:spPr/>
     </dgm:pt>
-    <dgm:pt modelId="{F60F455D-9D1B-4B6B-8271-7DC35A2F1520}" cxnId="{CC8B2F43-1C4B-4231-ACD8-631ABB861185}" type="sibTrans">
+    <dgm:pt modelId="{A59BD593-C692-4FB7-9C9F-B9317A47677C}" cxnId="{65113E31-48BF-4BCB-9FBA-40DBAA62604E}" type="sibTrans">
       <dgm:prSet/>
       <dgm:spPr/>
     </dgm:pt>
@@ -8273,7 +8265,7 @@
         </a:p>
       </dgm:t>
     </dgm:pt>
-    <dgm:pt modelId="{A284866D-966E-4C13-A9F4-308A3D033273}" cxnId="{4151DCDA-5EF2-4600-B42C-03368120A597}" type="parTrans">
+    <dgm:pt modelId="{A284866D-966E-4C13-A9F4-308A3D033273}" cxnId="{A1FF49C0-2270-43C6-A29D-FDD677E063F6}" type="parTrans">
       <dgm:prSet/>
       <dgm:spPr/>
       <dgm:t>
@@ -8284,7 +8276,7 @@
         </a:p>
       </dgm:t>
     </dgm:pt>
-    <dgm:pt modelId="{9E09C3BC-67ED-4E55-845E-58FC7D5B120F}" cxnId="{4151DCDA-5EF2-4600-B42C-03368120A597}" type="sibTrans">
+    <dgm:pt modelId="{9E09C3BC-67ED-4E55-845E-58FC7D5B120F}" cxnId="{A1FF49C0-2270-43C6-A29D-FDD677E063F6}" type="sibTrans">
       <dgm:prSet/>
       <dgm:spPr/>
       <dgm:t>
@@ -8339,20 +8331,20 @@
     </dgm:pt>
   </dgm:ptLst>
   <dgm:cxnLst>
-    <dgm:cxn modelId="{1A814DC5-7D3F-4E32-9A62-8D6A92EC6F05}" srcId="{31E9AA44-D153-4077-B464-78ACC4D879F2}" destId="{54564D86-CA90-41A9-8ABA-F2E2B00EF496}" srcOrd="0" destOrd="0" parTransId="{F7E08B87-09F3-41F2-8AF9-EEA3BF91AD69}" sibTransId="{DB63B8DA-09BD-4231-8AA6-1E082A2D5BA4}"/>
-    <dgm:cxn modelId="{CE9C80A7-19E1-4525-A2F6-32AAE716AAE1}" srcId="{54564D86-CA90-41A9-8ABA-F2E2B00EF496}" destId="{0942EF80-53FD-47D9-8A6D-AB613450AEC7}" srcOrd="0" destOrd="0" parTransId="{0AAA0644-6E9D-431D-A5EF-944717E6582C}" sibTransId="{7E74A9B3-319D-4813-B137-3AA1AFF730D1}"/>
-    <dgm:cxn modelId="{73B9C8A6-FB58-4E4C-9434-8CF232F317BB}" srcId="{54564D86-CA90-41A9-8ABA-F2E2B00EF496}" destId="{BD174E38-2C11-4B6A-8B9D-BFFD60E853D3}" srcOrd="1" destOrd="0" parTransId="{B6F27DE7-E81B-483B-8C16-6A69BA50086C}" sibTransId="{BB32DC82-DDA8-4836-95EB-335D1BDC32CC}"/>
-    <dgm:cxn modelId="{CC8B2F43-1C4B-4231-ACD8-631ABB861185}" srcId="{54564D86-CA90-41A9-8ABA-F2E2B00EF496}" destId="{88D45AD7-343A-47FA-A393-A4B3BB392BBC}" srcOrd="2" destOrd="0" parTransId="{E80F1AA8-8B4B-4DB4-82FD-496817830580}" sibTransId="{F60F455D-9D1B-4B6B-8271-7DC35A2F1520}"/>
-    <dgm:cxn modelId="{4151DCDA-5EF2-4600-B42C-03368120A597}" srcId="{31E9AA44-D153-4077-B464-78ACC4D879F2}" destId="{F625AD27-9750-4E2C-AF15-7D88DF35DCEC}" srcOrd="1" destOrd="0" parTransId="{A284866D-966E-4C13-A9F4-308A3D033273}" sibTransId="{9E09C3BC-67ED-4E55-845E-58FC7D5B120F}"/>
-    <dgm:cxn modelId="{04E638A2-7C5C-41DA-A4DC-01FDDD26E8E2}" type="presOf" srcId="{31E9AA44-D153-4077-B464-78ACC4D879F2}" destId="{3A1F0115-B9D0-4F73-9F0F-BCB23AC54713}" srcOrd="0" destOrd="0" presId="urn:microsoft.com/office/officeart/2005/8/layout/vList2"/>
-    <dgm:cxn modelId="{E59A7758-71E0-4C9D-84A2-6FFF82E2B074}" type="presParOf" srcId="{3A1F0115-B9D0-4F73-9F0F-BCB23AC54713}" destId="{C0FEE9F2-8213-4C26-8211-48C59C9E036E}" srcOrd="0" destOrd="0" presId="urn:microsoft.com/office/officeart/2005/8/layout/vList2"/>
-    <dgm:cxn modelId="{0535618D-F0D6-482E-9F1A-AC1C58B5F84B}" type="presOf" srcId="{54564D86-CA90-41A9-8ABA-F2E2B00EF496}" destId="{C0FEE9F2-8213-4C26-8211-48C59C9E036E}" srcOrd="0" destOrd="0" presId="urn:microsoft.com/office/officeart/2005/8/layout/vList2"/>
-    <dgm:cxn modelId="{50D53021-A6ED-41DD-AD18-9076FD26B90B}" type="presParOf" srcId="{3A1F0115-B9D0-4F73-9F0F-BCB23AC54713}" destId="{AF9B88B1-311F-4B13-83F8-10C1E0A2138A}" srcOrd="1" destOrd="0" presId="urn:microsoft.com/office/officeart/2005/8/layout/vList2"/>
-    <dgm:cxn modelId="{2696C1DA-A273-415D-AD92-0C9F0901003C}" type="presOf" srcId="{0942EF80-53FD-47D9-8A6D-AB613450AEC7}" destId="{AF9B88B1-311F-4B13-83F8-10C1E0A2138A}" srcOrd="0" destOrd="0" presId="urn:microsoft.com/office/officeart/2005/8/layout/vList2"/>
-    <dgm:cxn modelId="{B7BB89C3-DFBF-4DBF-A38A-9AD54D146F99}" type="presOf" srcId="{BD174E38-2C11-4B6A-8B9D-BFFD60E853D3}" destId="{AF9B88B1-311F-4B13-83F8-10C1E0A2138A}" srcOrd="0" destOrd="1" presId="urn:microsoft.com/office/officeart/2005/8/layout/vList2"/>
-    <dgm:cxn modelId="{C1869188-341A-4AA0-A329-F58705AECC32}" type="presOf" srcId="{88D45AD7-343A-47FA-A393-A4B3BB392BBC}" destId="{AF9B88B1-311F-4B13-83F8-10C1E0A2138A}" srcOrd="0" destOrd="2" presId="urn:microsoft.com/office/officeart/2005/8/layout/vList2"/>
-    <dgm:cxn modelId="{CE08365C-0CA3-4576-8FF0-588077A8988F}" type="presParOf" srcId="{3A1F0115-B9D0-4F73-9F0F-BCB23AC54713}" destId="{0D043C65-AF45-4833-8314-3217727028A0}" srcOrd="2" destOrd="0" presId="urn:microsoft.com/office/officeart/2005/8/layout/vList2"/>
-    <dgm:cxn modelId="{4680B93C-0C5E-49A0-8BEB-DB0D8E984C31}" type="presOf" srcId="{F625AD27-9750-4E2C-AF15-7D88DF35DCEC}" destId="{0D043C65-AF45-4833-8314-3217727028A0}" srcOrd="0" destOrd="0" presId="urn:microsoft.com/office/officeart/2005/8/layout/vList2"/>
+    <dgm:cxn modelId="{72D55104-D6F9-4130-AFD3-B30849F81FC3}" srcId="{31E9AA44-D153-4077-B464-78ACC4D879F2}" destId="{54564D86-CA90-41A9-8ABA-F2E2B00EF496}" srcOrd="0" destOrd="0" parTransId="{F7E08B87-09F3-41F2-8AF9-EEA3BF91AD69}" sibTransId="{DB63B8DA-09BD-4231-8AA6-1E082A2D5BA4}"/>
+    <dgm:cxn modelId="{E9432E1D-EF52-48BD-896A-5A72A25B3121}" srcId="{54564D86-CA90-41A9-8ABA-F2E2B00EF496}" destId="{0942EF80-53FD-47D9-8A6D-AB613450AEC7}" srcOrd="0" destOrd="0" parTransId="{0AAA0644-6E9D-431D-A5EF-944717E6582C}" sibTransId="{7E74A9B3-319D-4813-B137-3AA1AFF730D1}"/>
+    <dgm:cxn modelId="{9253F51A-B794-4F0D-848F-6EC1F44323AC}" srcId="{54564D86-CA90-41A9-8ABA-F2E2B00EF496}" destId="{1DE5B2CD-3ED0-4B1E-9C61-E0E918713757}" srcOrd="1" destOrd="0" parTransId="{D536E367-F58A-4255-A9B0-91C41FF5F94E}" sibTransId="{57B29E8E-2184-42D8-8ED8-1285A8536204}"/>
+    <dgm:cxn modelId="{65113E31-48BF-4BCB-9FBA-40DBAA62604E}" srcId="{54564D86-CA90-41A9-8ABA-F2E2B00EF496}" destId="{51414472-9239-4273-B942-58C223D37E4F}" srcOrd="2" destOrd="0" parTransId="{403EAB27-136E-4593-9AFD-E96BAA186DD9}" sibTransId="{A59BD593-C692-4FB7-9C9F-B9317A47677C}"/>
+    <dgm:cxn modelId="{A1FF49C0-2270-43C6-A29D-FDD677E063F6}" srcId="{31E9AA44-D153-4077-B464-78ACC4D879F2}" destId="{F625AD27-9750-4E2C-AF15-7D88DF35DCEC}" srcOrd="1" destOrd="0" parTransId="{A284866D-966E-4C13-A9F4-308A3D033273}" sibTransId="{9E09C3BC-67ED-4E55-845E-58FC7D5B120F}"/>
+    <dgm:cxn modelId="{9F6E462C-34A0-4467-8302-4A04641BA3B6}" type="presOf" srcId="{31E9AA44-D153-4077-B464-78ACC4D879F2}" destId="{3A1F0115-B9D0-4F73-9F0F-BCB23AC54713}" srcOrd="0" destOrd="0" presId="urn:microsoft.com/office/officeart/2005/8/layout/vList2"/>
+    <dgm:cxn modelId="{54E95F55-08DA-49AE-92B9-A77B17205ADF}" type="presParOf" srcId="{3A1F0115-B9D0-4F73-9F0F-BCB23AC54713}" destId="{C0FEE9F2-8213-4C26-8211-48C59C9E036E}" srcOrd="0" destOrd="0" presId="urn:microsoft.com/office/officeart/2005/8/layout/vList2"/>
+    <dgm:cxn modelId="{CDA55339-72AA-44C1-8D95-DBAB53157798}" type="presOf" srcId="{54564D86-CA90-41A9-8ABA-F2E2B00EF496}" destId="{C0FEE9F2-8213-4C26-8211-48C59C9E036E}" srcOrd="0" destOrd="0" presId="urn:microsoft.com/office/officeart/2005/8/layout/vList2"/>
+    <dgm:cxn modelId="{BBCEFDE5-A91F-441A-8BF6-5A63FC9B5886}" type="presParOf" srcId="{3A1F0115-B9D0-4F73-9F0F-BCB23AC54713}" destId="{AF9B88B1-311F-4B13-83F8-10C1E0A2138A}" srcOrd="1" destOrd="0" presId="urn:microsoft.com/office/officeart/2005/8/layout/vList2"/>
+    <dgm:cxn modelId="{98B3919C-7156-4E38-9CFB-A9176755F3EB}" type="presOf" srcId="{0942EF80-53FD-47D9-8A6D-AB613450AEC7}" destId="{AF9B88B1-311F-4B13-83F8-10C1E0A2138A}" srcOrd="0" destOrd="0" presId="urn:microsoft.com/office/officeart/2005/8/layout/vList2"/>
+    <dgm:cxn modelId="{2DDB2C90-31AF-4F1C-B043-A95F7154186C}" type="presOf" srcId="{1DE5B2CD-3ED0-4B1E-9C61-E0E918713757}" destId="{AF9B88B1-311F-4B13-83F8-10C1E0A2138A}" srcOrd="0" destOrd="1" presId="urn:microsoft.com/office/officeart/2005/8/layout/vList2"/>
+    <dgm:cxn modelId="{7E60F769-1613-461A-AA21-21072A3B348E}" type="presOf" srcId="{51414472-9239-4273-B942-58C223D37E4F}" destId="{AF9B88B1-311F-4B13-83F8-10C1E0A2138A}" srcOrd="0" destOrd="2" presId="urn:microsoft.com/office/officeart/2005/8/layout/vList2"/>
+    <dgm:cxn modelId="{8ED3DD08-86DD-4BEE-BBF8-34827C2F7FB0}" type="presParOf" srcId="{3A1F0115-B9D0-4F73-9F0F-BCB23AC54713}" destId="{0D043C65-AF45-4833-8314-3217727028A0}" srcOrd="2" destOrd="0" presId="urn:microsoft.com/office/officeart/2005/8/layout/vList2"/>
+    <dgm:cxn modelId="{A1D48852-F8B2-44DD-8ADB-87736C02E5DC}" type="presOf" srcId="{F625AD27-9750-4E2C-AF15-7D88DF35DCEC}" destId="{0D043C65-AF45-4833-8314-3217727028A0}" srcOrd="0" destOrd="0" presId="urn:microsoft.com/office/officeart/2005/8/layout/vList2"/>
   </dgm:cxnLst>
   <dgm:bg/>
   <dgm:whole/>
